--- a/OpenRTM-aist-C/trunk/doc/RtORB-struct-defs2.pptx
+++ b/OpenRTM-aist-C/trunk/doc/RtORB-struct-defs2.pptx
@@ -48766,7 +48766,7 @@
         </p:nvGrpSpPr>
         <p:grpSpPr>
           <a:xfrm>
-            <a:off x="3648208" y="755653"/>
+            <a:off x="3768473" y="755653"/>
             <a:ext cx="1447799" cy="604982"/>
             <a:chOff x="381001" y="4274127"/>
             <a:chExt cx="1447799" cy="604982"/>
@@ -49108,13 +49108,14 @@
           <p:cNvPr id="123" name="直線コネクタ 122"/>
           <p:cNvCxnSpPr>
             <a:stCxn id="50" idx="3"/>
+            <a:endCxn id="390" idx="1"/>
           </p:cNvCxnSpPr>
           <p:nvPr/>
         </p:nvCxnSpPr>
         <p:spPr>
           <a:xfrm flipV="1">
             <a:off x="3466590" y="1210544"/>
-            <a:ext cx="181618" cy="10965"/>
+            <a:ext cx="301883" cy="10965"/>
           </a:xfrm>
           <a:prstGeom prst="line">
             <a:avLst/>
@@ -49282,6 +49283,45 @@
           </a:p>
         </p:txBody>
       </p:sp>
+      <p:cxnSp>
+        <p:nvCxnSpPr>
+          <p:cNvPr id="61" name="直線コネクタ 60"/>
+          <p:cNvCxnSpPr>
+            <a:stCxn id="261" idx="3"/>
+            <a:endCxn id="390" idx="1"/>
+          </p:cNvCxnSpPr>
+          <p:nvPr/>
+        </p:nvCxnSpPr>
+        <p:spPr>
+          <a:xfrm flipV="1">
+            <a:off x="2935468" y="1210544"/>
+            <a:ext cx="833005" cy="962315"/>
+          </a:xfrm>
+          <a:prstGeom prst="line">
+            <a:avLst/>
+          </a:prstGeom>
+          <a:ln>
+            <a:solidFill>
+              <a:schemeClr val="tx1"/>
+            </a:solidFill>
+            <a:tailEnd type="stealth" w="lg" len="lg"/>
+          </a:ln>
+        </p:spPr>
+        <p:style>
+          <a:lnRef idx="2">
+            <a:schemeClr val="accent1"/>
+          </a:lnRef>
+          <a:fillRef idx="0">
+            <a:schemeClr val="accent1"/>
+          </a:fillRef>
+          <a:effectRef idx="1">
+            <a:schemeClr val="accent1"/>
+          </a:effectRef>
+          <a:fontRef idx="minor">
+            <a:schemeClr val="tx1"/>
+          </a:fontRef>
+        </p:style>
+      </p:cxnSp>
     </p:spTree>
   </p:cSld>
   <p:clrMapOvr>
